--- a/Team_document/PlayTest1.pptx
+++ b/Team_document/PlayTest1.pptx
@@ -119,6 +119,241 @@
     </p:ext>
   </p:extLst>
 </p:presentation>
+</file>
+
+<file path=ppt/revisionInfo.xml><?xml version="1.0" encoding="utf-8"?>
+<p1510:revInfo xmlns:a="http://schemas.openxmlformats.org/drawingml/2006/main" xmlns:r="http://schemas.openxmlformats.org/officeDocument/2006/relationships" xmlns:p1510="http://schemas.microsoft.com/office/powerpoint/2015/10/main">
+  <p1510:revLst>
+    <p1510:client id="{7F173E5B-534E-4F58-BEC8-14DB885A448D}" v="3" dt="2023-11-08T02:04:40.566"/>
+  </p1510:revLst>
+</p1510:revInfo>
+</file>
+
+<file path=ppt/changesInfos/changesInfo1.xml><?xml version="1.0" encoding="utf-8"?>
+<pc:chgInfo xmlns:a="http://schemas.openxmlformats.org/drawingml/2006/main" xmlns:r="http://schemas.openxmlformats.org/officeDocument/2006/relationships" xmlns:ac="http://schemas.microsoft.com/office/drawing/2013/main/command" xmlns:pc="http://schemas.microsoft.com/office/powerpoint/2013/main/command">
+  <pc:docChgLst>
+    <pc:chgData name="ng O" userId="011fa1af21e566d8" providerId="LiveId" clId="{7F173E5B-534E-4F58-BEC8-14DB885A448D}"/>
+    <pc:docChg chg="undo custSel modSld">
+      <pc:chgData name="ng O" userId="011fa1af21e566d8" providerId="LiveId" clId="{7F173E5B-534E-4F58-BEC8-14DB885A448D}" dt="2023-11-08T02:06:50.577" v="116" actId="1076"/>
+      <pc:docMkLst>
+        <pc:docMk/>
+      </pc:docMkLst>
+      <pc:sldChg chg="modSp mod">
+        <pc:chgData name="ng O" userId="011fa1af21e566d8" providerId="LiveId" clId="{7F173E5B-534E-4F58-BEC8-14DB885A448D}" dt="2023-11-08T02:00:50.518" v="12" actId="20577"/>
+        <pc:sldMkLst>
+          <pc:docMk/>
+          <pc:sldMk cId="1859098419" sldId="257"/>
+        </pc:sldMkLst>
+        <pc:spChg chg="mod">
+          <ac:chgData name="ng O" userId="011fa1af21e566d8" providerId="LiveId" clId="{7F173E5B-534E-4F58-BEC8-14DB885A448D}" dt="2023-11-08T02:00:50.518" v="12" actId="20577"/>
+          <ac:spMkLst>
+            <pc:docMk/>
+            <pc:sldMk cId="1859098419" sldId="257"/>
+            <ac:spMk id="6" creationId="{946B1FA4-327D-495D-941A-E027D03981AF}"/>
+          </ac:spMkLst>
+        </pc:spChg>
+      </pc:sldChg>
+      <pc:sldChg chg="addSp delSp modSp mod">
+        <pc:chgData name="ng O" userId="011fa1af21e566d8" providerId="LiveId" clId="{7F173E5B-534E-4F58-BEC8-14DB885A448D}" dt="2023-11-08T02:06:50.577" v="116" actId="1076"/>
+        <pc:sldMkLst>
+          <pc:docMk/>
+          <pc:sldMk cId="3788322939" sldId="261"/>
+        </pc:sldMkLst>
+        <pc:spChg chg="del">
+          <ac:chgData name="ng O" userId="011fa1af21e566d8" providerId="LiveId" clId="{7F173E5B-534E-4F58-BEC8-14DB885A448D}" dt="2023-11-08T02:04:22.192" v="76" actId="478"/>
+          <ac:spMkLst>
+            <pc:docMk/>
+            <pc:sldMk cId="3788322939" sldId="261"/>
+            <ac:spMk id="16" creationId="{9BF6FC43-699E-4A3C-93BD-A9D4DBB958DB}"/>
+          </ac:spMkLst>
+        </pc:spChg>
+        <pc:spChg chg="mod ord">
+          <ac:chgData name="ng O" userId="011fa1af21e566d8" providerId="LiveId" clId="{7F173E5B-534E-4F58-BEC8-14DB885A448D}" dt="2023-11-08T02:04:35.620" v="82" actId="164"/>
+          <ac:spMkLst>
+            <pc:docMk/>
+            <pc:sldMk cId="3788322939" sldId="261"/>
+            <ac:spMk id="27" creationId="{00000000-0000-0000-0000-000000000000}"/>
+          </ac:spMkLst>
+        </pc:spChg>
+        <pc:spChg chg="mod">
+          <ac:chgData name="ng O" userId="011fa1af21e566d8" providerId="LiveId" clId="{7F173E5B-534E-4F58-BEC8-14DB885A448D}" dt="2023-11-08T02:06:50.577" v="116" actId="1076"/>
+          <ac:spMkLst>
+            <pc:docMk/>
+            <pc:sldMk cId="3788322939" sldId="261"/>
+            <ac:spMk id="34" creationId="{B5452068-4D9E-4D25-9E2A-35C3C622F5A5}"/>
+          </ac:spMkLst>
+        </pc:spChg>
+        <pc:spChg chg="del">
+          <ac:chgData name="ng O" userId="011fa1af21e566d8" providerId="LiveId" clId="{7F173E5B-534E-4F58-BEC8-14DB885A448D}" dt="2023-11-08T02:04:23.213" v="77" actId="478"/>
+          <ac:spMkLst>
+            <pc:docMk/>
+            <pc:sldMk cId="3788322939" sldId="261"/>
+            <ac:spMk id="35" creationId="{9BF6FC43-699E-4A3C-93BD-A9D4DBB958DB}"/>
+          </ac:spMkLst>
+        </pc:spChg>
+        <pc:spChg chg="mod">
+          <ac:chgData name="ng O" userId="011fa1af21e566d8" providerId="LiveId" clId="{7F173E5B-534E-4F58-BEC8-14DB885A448D}" dt="2023-11-08T02:04:38.446" v="83" actId="164"/>
+          <ac:spMkLst>
+            <pc:docMk/>
+            <pc:sldMk cId="3788322939" sldId="261"/>
+            <ac:spMk id="36" creationId="{00000000-0000-0000-0000-000000000000}"/>
+          </ac:spMkLst>
+        </pc:spChg>
+        <pc:spChg chg="mod">
+          <ac:chgData name="ng O" userId="011fa1af21e566d8" providerId="LiveId" clId="{7F173E5B-534E-4F58-BEC8-14DB885A448D}" dt="2023-11-08T02:04:38.446" v="83" actId="164"/>
+          <ac:spMkLst>
+            <pc:docMk/>
+            <pc:sldMk cId="3788322939" sldId="261"/>
+            <ac:spMk id="39" creationId="{9BF6FC43-699E-4A3C-93BD-A9D4DBB958DB}"/>
+          </ac:spMkLst>
+        </pc:spChg>
+        <pc:spChg chg="mod ord">
+          <ac:chgData name="ng O" userId="011fa1af21e566d8" providerId="LiveId" clId="{7F173E5B-534E-4F58-BEC8-14DB885A448D}" dt="2023-11-08T02:04:35.620" v="82" actId="164"/>
+          <ac:spMkLst>
+            <pc:docMk/>
+            <pc:sldMk cId="3788322939" sldId="261"/>
+            <ac:spMk id="43" creationId="{9BF6FC43-699E-4A3C-93BD-A9D4DBB958DB}"/>
+          </ac:spMkLst>
+        </pc:spChg>
+        <pc:spChg chg="mod">
+          <ac:chgData name="ng O" userId="011fa1af21e566d8" providerId="LiveId" clId="{7F173E5B-534E-4F58-BEC8-14DB885A448D}" dt="2023-11-08T02:06:50.577" v="116" actId="1076"/>
+          <ac:spMkLst>
+            <pc:docMk/>
+            <pc:sldMk cId="3788322939" sldId="261"/>
+            <ac:spMk id="48" creationId="{B5452068-4D9E-4D25-9E2A-35C3C622F5A5}"/>
+          </ac:spMkLst>
+        </pc:spChg>
+        <pc:spChg chg="del">
+          <ac:chgData name="ng O" userId="011fa1af21e566d8" providerId="LiveId" clId="{7F173E5B-534E-4F58-BEC8-14DB885A448D}" dt="2023-11-08T02:04:23.663" v="78" actId="478"/>
+          <ac:spMkLst>
+            <pc:docMk/>
+            <pc:sldMk cId="3788322939" sldId="261"/>
+            <ac:spMk id="49" creationId="{9BF6FC43-699E-4A3C-93BD-A9D4DBB958DB}"/>
+          </ac:spMkLst>
+        </pc:spChg>
+        <pc:spChg chg="mod">
+          <ac:chgData name="ng O" userId="011fa1af21e566d8" providerId="LiveId" clId="{7F173E5B-534E-4F58-BEC8-14DB885A448D}" dt="2023-11-08T02:06:26.628" v="112" actId="1076"/>
+          <ac:spMkLst>
+            <pc:docMk/>
+            <pc:sldMk cId="3788322939" sldId="261"/>
+            <ac:spMk id="50" creationId="{00000000-0000-0000-0000-000000000000}"/>
+          </ac:spMkLst>
+        </pc:spChg>
+        <pc:spChg chg="mod">
+          <ac:chgData name="ng O" userId="011fa1af21e566d8" providerId="LiveId" clId="{7F173E5B-534E-4F58-BEC8-14DB885A448D}" dt="2023-11-08T02:04:44.642" v="88" actId="20577"/>
+          <ac:spMkLst>
+            <pc:docMk/>
+            <pc:sldMk cId="3788322939" sldId="261"/>
+            <ac:spMk id="51" creationId="{9BF6FC43-699E-4A3C-93BD-A9D4DBB958DB}"/>
+          </ac:spMkLst>
+        </pc:spChg>
+        <pc:spChg chg="mod">
+          <ac:chgData name="ng O" userId="011fa1af21e566d8" providerId="LiveId" clId="{7F173E5B-534E-4F58-BEC8-14DB885A448D}" dt="2023-11-08T02:06:50.577" v="116" actId="1076"/>
+          <ac:spMkLst>
+            <pc:docMk/>
+            <pc:sldMk cId="3788322939" sldId="261"/>
+            <ac:spMk id="52" creationId="{B5452068-4D9E-4D25-9E2A-35C3C622F5A5}"/>
+          </ac:spMkLst>
+        </pc:spChg>
+        <pc:grpChg chg="mod">
+          <ac:chgData name="ng O" userId="011fa1af21e566d8" providerId="LiveId" clId="{7F173E5B-534E-4F58-BEC8-14DB885A448D}" dt="2023-11-08T02:06:29.405" v="114" actId="1076"/>
+          <ac:grpSpMkLst>
+            <pc:docMk/>
+            <pc:sldMk cId="3788322939" sldId="261"/>
+            <ac:grpSpMk id="2" creationId="{00000000-0000-0000-0000-000000000000}"/>
+          </ac:grpSpMkLst>
+        </pc:grpChg>
+        <pc:grpChg chg="add mod">
+          <ac:chgData name="ng O" userId="011fa1af21e566d8" providerId="LiveId" clId="{7F173E5B-534E-4F58-BEC8-14DB885A448D}" dt="2023-11-08T02:06:50.577" v="116" actId="1076"/>
+          <ac:grpSpMkLst>
+            <pc:docMk/>
+            <pc:sldMk cId="3788322939" sldId="261"/>
+            <ac:grpSpMk id="3" creationId="{50E61951-160A-36B8-2167-DE2564950586}"/>
+          </ac:grpSpMkLst>
+        </pc:grpChg>
+        <pc:grpChg chg="add mod">
+          <ac:chgData name="ng O" userId="011fa1af21e566d8" providerId="LiveId" clId="{7F173E5B-534E-4F58-BEC8-14DB885A448D}" dt="2023-11-08T02:06:50.577" v="116" actId="1076"/>
+          <ac:grpSpMkLst>
+            <pc:docMk/>
+            <pc:sldMk cId="3788322939" sldId="261"/>
+            <ac:grpSpMk id="4" creationId="{4695458E-9C09-EADD-9AB0-CDB4D1CCB8C9}"/>
+          </ac:grpSpMkLst>
+        </pc:grpChg>
+        <pc:grpChg chg="add mod">
+          <ac:chgData name="ng O" userId="011fa1af21e566d8" providerId="LiveId" clId="{7F173E5B-534E-4F58-BEC8-14DB885A448D}" dt="2023-11-08T02:06:50.577" v="116" actId="1076"/>
+          <ac:grpSpMkLst>
+            <pc:docMk/>
+            <pc:sldMk cId="3788322939" sldId="261"/>
+            <ac:grpSpMk id="5" creationId="{7B68DB49-E20A-53A3-5E86-1B6400B148EB}"/>
+          </ac:grpSpMkLst>
+        </pc:grpChg>
+      </pc:sldChg>
+      <pc:sldChg chg="modSp mod">
+        <pc:chgData name="ng O" userId="011fa1af21e566d8" providerId="LiveId" clId="{7F173E5B-534E-4F58-BEC8-14DB885A448D}" dt="2023-11-08T02:03:51.161" v="75" actId="1076"/>
+        <pc:sldMkLst>
+          <pc:docMk/>
+          <pc:sldMk cId="230082398" sldId="262"/>
+        </pc:sldMkLst>
+        <pc:spChg chg="mod">
+          <ac:chgData name="ng O" userId="011fa1af21e566d8" providerId="LiveId" clId="{7F173E5B-534E-4F58-BEC8-14DB885A448D}" dt="2023-11-08T02:03:27.306" v="69" actId="1038"/>
+          <ac:spMkLst>
+            <pc:docMk/>
+            <pc:sldMk cId="230082398" sldId="262"/>
+            <ac:spMk id="3" creationId="{3707498F-4F7E-5734-FBC5-0188F62C972E}"/>
+          </ac:spMkLst>
+        </pc:spChg>
+        <pc:spChg chg="mod">
+          <ac:chgData name="ng O" userId="011fa1af21e566d8" providerId="LiveId" clId="{7F173E5B-534E-4F58-BEC8-14DB885A448D}" dt="2023-11-08T02:03:51.161" v="75" actId="1076"/>
+          <ac:spMkLst>
+            <pc:docMk/>
+            <pc:sldMk cId="230082398" sldId="262"/>
+            <ac:spMk id="32" creationId="{01F005C6-A0D4-4C4A-800C-47B9350ADBDC}"/>
+          </ac:spMkLst>
+        </pc:spChg>
+        <pc:spChg chg="mod">
+          <ac:chgData name="ng O" userId="011fa1af21e566d8" providerId="LiveId" clId="{7F173E5B-534E-4F58-BEC8-14DB885A448D}" dt="2023-11-08T02:02:44.794" v="43" actId="1076"/>
+          <ac:spMkLst>
+            <pc:docMk/>
+            <pc:sldMk cId="230082398" sldId="262"/>
+            <ac:spMk id="33" creationId="{B9946555-FC02-437B-A75B-8631EFCC91CE}"/>
+          </ac:spMkLst>
+        </pc:spChg>
+        <pc:spChg chg="mod">
+          <ac:chgData name="ng O" userId="011fa1af21e566d8" providerId="LiveId" clId="{7F173E5B-534E-4F58-BEC8-14DB885A448D}" dt="2023-11-08T02:03:41.795" v="72" actId="1076"/>
+          <ac:spMkLst>
+            <pc:docMk/>
+            <pc:sldMk cId="230082398" sldId="262"/>
+            <ac:spMk id="37" creationId="{5FA88013-4D5E-4CA0-B441-12F764CEC92C}"/>
+          </ac:spMkLst>
+        </pc:spChg>
+        <pc:spChg chg="mod">
+          <ac:chgData name="ng O" userId="011fa1af21e566d8" providerId="LiveId" clId="{7F173E5B-534E-4F58-BEC8-14DB885A448D}" dt="2023-11-08T02:03:19.300" v="62" actId="1038"/>
+          <ac:spMkLst>
+            <pc:docMk/>
+            <pc:sldMk cId="230082398" sldId="262"/>
+            <ac:spMk id="38" creationId="{B13A27EA-DA5E-4246-98BC-E9AC11D6C506}"/>
+          </ac:spMkLst>
+        </pc:spChg>
+        <pc:spChg chg="mod">
+          <ac:chgData name="ng O" userId="011fa1af21e566d8" providerId="LiveId" clId="{7F173E5B-534E-4F58-BEC8-14DB885A448D}" dt="2023-11-08T02:03:19.300" v="62" actId="1038"/>
+          <ac:spMkLst>
+            <pc:docMk/>
+            <pc:sldMk cId="230082398" sldId="262"/>
+            <ac:spMk id="40" creationId="{37DC32E2-7231-4DF7-AF51-B12037325610}"/>
+          </ac:spMkLst>
+        </pc:spChg>
+        <pc:grpChg chg="mod">
+          <ac:chgData name="ng O" userId="011fa1af21e566d8" providerId="LiveId" clId="{7F173E5B-534E-4F58-BEC8-14DB885A448D}" dt="2023-11-08T02:02:34.714" v="39" actId="1076"/>
+          <ac:grpSpMkLst>
+            <pc:docMk/>
+            <pc:sldMk cId="230082398" sldId="262"/>
+            <ac:grpSpMk id="2" creationId="{00000000-0000-0000-0000-000000000000}"/>
+          </ac:grpSpMkLst>
+        </pc:grpChg>
+      </pc:sldChg>
+    </pc:docChg>
+  </pc:docChgLst>
+</pc:chgInfo>
 </file>
 
 <file path=ppt/charts/chart1.xml><?xml version="1.0" encoding="utf-8"?>
@@ -1331,7 +1566,7 @@
                 </a:solidFill>
               </a:rPr>
               <a:pPr/>
-              <a:t>2023-11-04</a:t>
+              <a:t>2023-11-08</a:t>
             </a:fld>
             <a:endParaRPr lang="ko-KR" altLang="en-US" dirty="0">
               <a:solidFill>
@@ -1561,7 +1796,7 @@
                 </a:solidFill>
               </a:rPr>
               <a:pPr/>
-              <a:t>2023-11-04</a:t>
+              <a:t>2023-11-08</a:t>
             </a:fld>
             <a:endParaRPr lang="ko-KR" altLang="en-US" dirty="0">
               <a:solidFill>
@@ -1801,7 +2036,7 @@
                 </a:solidFill>
               </a:rPr>
               <a:pPr/>
-              <a:t>2023-11-04</a:t>
+              <a:t>2023-11-08</a:t>
             </a:fld>
             <a:endParaRPr lang="ko-KR" altLang="en-US" dirty="0">
               <a:solidFill>
@@ -2031,7 +2266,7 @@
                 </a:solidFill>
               </a:rPr>
               <a:pPr/>
-              <a:t>2023-11-04</a:t>
+              <a:t>2023-11-08</a:t>
             </a:fld>
             <a:endParaRPr lang="ko-KR" altLang="en-US" dirty="0">
               <a:solidFill>
@@ -2338,7 +2573,7 @@
                 </a:solidFill>
               </a:rPr>
               <a:pPr/>
-              <a:t>2023-11-04</a:t>
+              <a:t>2023-11-08</a:t>
             </a:fld>
             <a:endParaRPr lang="ko-KR" altLang="en-US" dirty="0">
               <a:solidFill>
@@ -2635,7 +2870,7 @@
                 </a:solidFill>
               </a:rPr>
               <a:pPr/>
-              <a:t>2023-11-04</a:t>
+              <a:t>2023-11-08</a:t>
             </a:fld>
             <a:endParaRPr lang="ko-KR" altLang="en-US" dirty="0">
               <a:solidFill>
@@ -3079,7 +3314,7 @@
                 </a:solidFill>
               </a:rPr>
               <a:pPr/>
-              <a:t>2023-11-04</a:t>
+              <a:t>2023-11-08</a:t>
             </a:fld>
             <a:endParaRPr lang="ko-KR" altLang="en-US" dirty="0">
               <a:solidFill>
@@ -3252,7 +3487,7 @@
                 </a:solidFill>
               </a:rPr>
               <a:pPr/>
-              <a:t>2023-11-04</a:t>
+              <a:t>2023-11-08</a:t>
             </a:fld>
             <a:endParaRPr lang="ko-KR" altLang="en-US" dirty="0">
               <a:solidFill>
@@ -3397,7 +3632,7 @@
                 </a:solidFill>
               </a:rPr>
               <a:pPr/>
-              <a:t>2023-11-04</a:t>
+              <a:t>2023-11-08</a:t>
             </a:fld>
             <a:endParaRPr lang="ko-KR" altLang="en-US" dirty="0">
               <a:solidFill>
@@ -3740,7 +3975,7 @@
                 </a:solidFill>
               </a:rPr>
               <a:pPr/>
-              <a:t>2023-11-04</a:t>
+              <a:t>2023-11-08</a:t>
             </a:fld>
             <a:endParaRPr lang="ko-KR" altLang="en-US" dirty="0">
               <a:solidFill>
@@ -4060,7 +4295,7 @@
                 </a:solidFill>
               </a:rPr>
               <a:pPr/>
-              <a:t>2023-11-04</a:t>
+              <a:t>2023-11-08</a:t>
             </a:fld>
             <a:endParaRPr lang="ko-KR" altLang="en-US" dirty="0">
               <a:solidFill>
@@ -4338,7 +4573,7 @@
                 </a:solidFill>
               </a:rPr>
               <a:pPr/>
-              <a:t>2023-11-04</a:t>
+              <a:t>2023-11-08</a:t>
             </a:fld>
             <a:endParaRPr lang="ko-KR" altLang="en-US" dirty="0">
               <a:solidFill>
@@ -4867,6 +5102,14 @@
               <a:defRPr/>
             </a:pPr>
             <a:r>
+              <a:rPr lang="ko-KR" altLang="en-US" sz="900" kern="0" dirty="0">
+                <a:solidFill>
+                  <a:srgbClr val="878FE2"/>
+                </a:solidFill>
+              </a:rPr>
+              <a:t> </a:t>
+            </a:r>
+            <a:r>
               <a:rPr lang="ko-KR" altLang="en-US" sz="900" kern="0" dirty="0" err="1">
                 <a:solidFill>
                   <a:srgbClr val="878FE2"/>
@@ -4880,10 +5123,10 @@
                   <a:srgbClr val="878FE2"/>
                 </a:solidFill>
               </a:rPr>
-              <a:t>, </a:t>
+              <a:t>  |  </a:t>
             </a:r>
             <a:r>
-              <a:rPr lang="ko-KR" altLang="en-US" sz="900" kern="0" dirty="0" err="1">
+              <a:rPr lang="ko-KR" altLang="en-US" sz="900" kern="0" dirty="0">
                 <a:solidFill>
                   <a:srgbClr val="878FE2"/>
                 </a:solidFill>
@@ -4896,7 +5139,7 @@
                   <a:srgbClr val="878FE2"/>
                 </a:solidFill>
               </a:rPr>
-              <a:t>, </a:t>
+              <a:t>  |  </a:t>
             </a:r>
             <a:r>
               <a:rPr lang="ko-KR" altLang="en-US" sz="900" kern="0" dirty="0">
@@ -11147,8 +11390,8 @@
         </p:nvSpPr>
         <p:spPr>
           <a:xfrm>
-            <a:off x="1101045" y="3217591"/>
-            <a:ext cx="1998906" cy="1435714"/>
+            <a:off x="1101044" y="3331108"/>
+            <a:ext cx="1998906" cy="1349280"/>
           </a:xfrm>
           <a:prstGeom prst="rect">
             <a:avLst/>
@@ -11218,7 +11461,7 @@
               </a:lnSpc>
             </a:pPr>
             <a:r>
-              <a:rPr lang="en-US" altLang="ko-KR" sz="1400" dirty="0">
+              <a:rPr lang="en-US" altLang="ko-KR" sz="1200" dirty="0">
                 <a:solidFill>
                   <a:prstClr val="black">
                     <a:lumMod val="65000"/>
@@ -11229,7 +11472,7 @@
               <a:t>1</a:t>
             </a:r>
             <a:r>
-              <a:rPr lang="ko-KR" altLang="en-US" sz="1400" dirty="0">
+              <a:rPr lang="ko-KR" altLang="en-US" sz="1200" dirty="0">
                 <a:solidFill>
                   <a:prstClr val="black">
                     <a:lumMod val="65000"/>
@@ -11239,7 +11482,7 @@
               </a:rPr>
               <a:t>차 플레이테스트를 통해 확인해야 할 내용</a:t>
             </a:r>
-            <a:endParaRPr lang="en-US" altLang="ko-KR" sz="1400" dirty="0">
+            <a:endParaRPr lang="en-US" altLang="ko-KR" sz="1200" dirty="0">
               <a:solidFill>
                 <a:prstClr val="black">
                   <a:lumMod val="65000"/>
@@ -11264,8 +11507,8 @@
         </p:nvSpPr>
         <p:spPr>
           <a:xfrm>
-            <a:off x="9098421" y="3206482"/>
-            <a:ext cx="1998906" cy="1389548"/>
+            <a:off x="8904346" y="3419087"/>
+            <a:ext cx="2387055" cy="1026115"/>
           </a:xfrm>
           <a:prstGeom prst="rect">
             <a:avLst/>
@@ -11324,7 +11567,7 @@
               </a:lnSpc>
             </a:pPr>
             <a:r>
-              <a:rPr lang="en-US" altLang="ko-KR" sz="1400" dirty="0">
+              <a:rPr lang="en-US" altLang="ko-KR" sz="1200" dirty="0">
                 <a:solidFill>
                   <a:prstClr val="black">
                     <a:lumMod val="65000"/>
@@ -11335,7 +11578,7 @@
               <a:t>2</a:t>
             </a:r>
             <a:r>
-              <a:rPr lang="ko-KR" altLang="en-US" sz="1400" dirty="0">
+              <a:rPr lang="ko-KR" altLang="en-US" sz="1200" dirty="0">
                 <a:solidFill>
                   <a:prstClr val="black">
                     <a:lumMod val="65000"/>
@@ -11345,23 +11588,8 @@
               </a:rPr>
               <a:t>차 플레이테스트</a:t>
             </a:r>
-            <a:endParaRPr lang="en-US" altLang="ko-KR" sz="1400" dirty="0">
-              <a:solidFill>
-                <a:prstClr val="black">
-                  <a:lumMod val="65000"/>
-                  <a:lumOff val="35000"/>
-                </a:prstClr>
-              </a:solidFill>
-            </a:endParaRPr>
-          </a:p>
-          <a:p>
-            <a:pPr algn="ctr">
-              <a:lnSpc>
-                <a:spcPct val="150000"/>
-              </a:lnSpc>
-            </a:pPr>
             <a:r>
-              <a:rPr lang="ko-KR" altLang="en-US" sz="1400" dirty="0">
+              <a:rPr lang="en-US" altLang="ko-KR" sz="1200" dirty="0">
                 <a:solidFill>
                   <a:prstClr val="black">
                     <a:lumMod val="65000"/>
@@ -11369,16 +11597,19 @@
                   </a:prstClr>
                 </a:solidFill>
               </a:rPr>
-              <a:t>까지의 계획</a:t>
+              <a:t> </a:t>
             </a:r>
-            <a:endParaRPr lang="ko-KR" altLang="en-US" sz="1000" dirty="0">
-              <a:solidFill>
-                <a:prstClr val="black">
-                  <a:lumMod val="65000"/>
-                  <a:lumOff val="35000"/>
-                </a:prstClr>
-              </a:solidFill>
-            </a:endParaRPr>
+            <a:r>
+              <a:rPr lang="ko-KR" altLang="en-US" sz="1200" dirty="0">
+                <a:solidFill>
+                  <a:prstClr val="black">
+                    <a:lumMod val="65000"/>
+                    <a:lumOff val="35000"/>
+                  </a:prstClr>
+                </a:solidFill>
+              </a:rPr>
+              <a:t>계획</a:t>
+            </a:r>
           </a:p>
         </p:txBody>
       </p:sp>
@@ -11396,8 +11627,8 @@
         </p:nvSpPr>
         <p:spPr>
           <a:xfrm>
-            <a:off x="3756657" y="3217591"/>
-            <a:ext cx="1998906" cy="1435714"/>
+            <a:off x="3695862" y="3341732"/>
+            <a:ext cx="1998906" cy="1349280"/>
           </a:xfrm>
           <a:prstGeom prst="rect">
             <a:avLst/>
@@ -11456,7 +11687,7 @@
               </a:lnSpc>
             </a:pPr>
             <a:r>
-              <a:rPr lang="en-US" altLang="ko-KR" sz="1400" dirty="0">
+              <a:rPr lang="en-US" altLang="ko-KR" sz="1200" dirty="0">
                 <a:solidFill>
                   <a:prstClr val="black">
                     <a:lumMod val="65000"/>
@@ -11467,7 +11698,7 @@
               <a:t>1</a:t>
             </a:r>
             <a:r>
-              <a:rPr lang="ko-KR" altLang="en-US" sz="1400" dirty="0">
+              <a:rPr lang="ko-KR" altLang="en-US" sz="1200" dirty="0">
                 <a:solidFill>
                   <a:prstClr val="black">
                     <a:lumMod val="65000"/>
@@ -11477,7 +11708,7 @@
               </a:rPr>
               <a:t>차 플레이테스트</a:t>
             </a:r>
-            <a:endParaRPr lang="en-US" altLang="ko-KR" sz="1400" dirty="0">
+            <a:endParaRPr lang="en-US" altLang="ko-KR" sz="1200" dirty="0">
               <a:solidFill>
                 <a:prstClr val="black">
                   <a:lumMod val="65000"/>
@@ -11493,7 +11724,7 @@
               </a:lnSpc>
             </a:pPr>
             <a:r>
-              <a:rPr lang="ko-KR" altLang="en-US" sz="1400" dirty="0">
+              <a:rPr lang="ko-KR" altLang="en-US" sz="1200" dirty="0">
                 <a:solidFill>
                   <a:prstClr val="black">
                     <a:lumMod val="65000"/>
@@ -11503,14 +11734,6 @@
               </a:rPr>
               <a:t>피드백 내용</a:t>
             </a:r>
-            <a:endParaRPr lang="ko-KR" altLang="en-US" sz="1000" dirty="0">
-              <a:solidFill>
-                <a:prstClr val="black">
-                  <a:lumMod val="65000"/>
-                  <a:lumOff val="35000"/>
-                </a:prstClr>
-              </a:solidFill>
-            </a:endParaRPr>
           </a:p>
         </p:txBody>
       </p:sp>
@@ -11528,8 +11751,8 @@
         </p:nvSpPr>
         <p:spPr>
           <a:xfrm>
-            <a:off x="6495422" y="3248537"/>
-            <a:ext cx="1998906" cy="1435714"/>
+            <a:off x="6392478" y="3382655"/>
+            <a:ext cx="1998906" cy="1349280"/>
           </a:xfrm>
           <a:prstGeom prst="rect">
             <a:avLst/>
@@ -11588,7 +11811,7 @@
               </a:lnSpc>
             </a:pPr>
             <a:r>
-              <a:rPr lang="ko-KR" altLang="en-US" sz="1400" dirty="0">
+              <a:rPr lang="ko-KR" altLang="en-US" sz="1200" dirty="0">
                 <a:solidFill>
                   <a:prstClr val="black">
                     <a:lumMod val="65000"/>
@@ -11598,7 +11821,7 @@
               </a:rPr>
               <a:t>피드백을 반영해</a:t>
             </a:r>
-            <a:endParaRPr lang="en-US" altLang="ko-KR" sz="1400" dirty="0">
+            <a:endParaRPr lang="en-US" altLang="ko-KR" sz="1200" dirty="0">
               <a:solidFill>
                 <a:prstClr val="black">
                   <a:lumMod val="65000"/>
@@ -11614,7 +11837,7 @@
               </a:lnSpc>
             </a:pPr>
             <a:r>
-              <a:rPr lang="ko-KR" altLang="en-US" sz="1400" dirty="0">
+              <a:rPr lang="ko-KR" altLang="en-US" sz="1200" dirty="0">
                 <a:solidFill>
                   <a:prstClr val="black">
                     <a:lumMod val="65000"/>
@@ -11622,16 +11845,8 @@
                   </a:prstClr>
                 </a:solidFill>
               </a:rPr>
-              <a:t>변화한 내용</a:t>
+              <a:t>변화한 부분</a:t>
             </a:r>
-            <a:endParaRPr lang="ko-KR" altLang="en-US" sz="1000" dirty="0">
-              <a:solidFill>
-                <a:prstClr val="black">
-                  <a:lumMod val="65000"/>
-                  <a:lumOff val="35000"/>
-                </a:prstClr>
-              </a:solidFill>
-            </a:endParaRPr>
           </a:p>
         </p:txBody>
       </p:sp>
@@ -11651,7 +11866,7 @@
         </p:nvSpPr>
         <p:spPr bwMode="auto">
           <a:xfrm>
-            <a:off x="7381774" y="2848492"/>
+            <a:off x="7273705" y="2848492"/>
             <a:ext cx="236452" cy="312042"/>
           </a:xfrm>
           <a:custGeom>
@@ -15378,7 +15593,7 @@
         </p:nvSpPr>
         <p:spPr bwMode="auto">
           <a:xfrm flipH="1">
-            <a:off x="4588214" y="2817546"/>
+            <a:off x="4563275" y="2817546"/>
             <a:ext cx="275431" cy="338152"/>
           </a:xfrm>
           <a:custGeom>
@@ -17606,7 +17821,7 @@
             <a:lstStyle/>
             <a:p>
               <a:pPr algn="ctr"/>
-              <a:endParaRPr lang="ko-KR" altLang="en-US">
+              <a:endParaRPr lang="ko-KR" altLang="en-US" dirty="0">
                 <a:solidFill>
                   <a:prstClr val="white"/>
                 </a:solidFill>
@@ -17615,200 +17830,6 @@
           </p:txBody>
         </p:sp>
       </p:grpSp>
-      <p:sp>
-        <p:nvSpPr>
-          <p:cNvPr id="16" name="사각형: 둥근 모서리 15">
-            <a:extLst>
-              <a:ext uri="{FF2B5EF4-FFF2-40B4-BE49-F238E27FC236}">
-                <a16:creationId xmlns:a16="http://schemas.microsoft.com/office/drawing/2014/main" id="{9BF6FC43-699E-4A3C-93BD-A9D4DBB958DB}"/>
-              </a:ext>
-            </a:extLst>
-          </p:cNvPr>
-          <p:cNvSpPr/>
-          <p:nvPr/>
-        </p:nvSpPr>
-        <p:spPr>
-          <a:xfrm>
-            <a:off x="904898" y="1892600"/>
-            <a:ext cx="3241426" cy="1842358"/>
-          </a:xfrm>
-          <a:prstGeom prst="roundRect">
-            <a:avLst>
-              <a:gd name="adj" fmla="val 8909"/>
-            </a:avLst>
-          </a:prstGeom>
-          <a:solidFill>
-            <a:srgbClr val="F9F8FD"/>
-          </a:solidFill>
-          <a:ln>
-            <a:noFill/>
-          </a:ln>
-          <a:effectLst>
-            <a:outerShdw blurRad="177800" dist="50800" dir="4800000" algn="tl" rotWithShape="0">
-              <a:srgbClr val="878FE2">
-                <a:alpha val="27000"/>
-              </a:srgbClr>
-            </a:outerShdw>
-          </a:effectLst>
-        </p:spPr>
-        <p:style>
-          <a:lnRef idx="2">
-            <a:schemeClr val="accent1">
-              <a:shade val="50000"/>
-            </a:schemeClr>
-          </a:lnRef>
-          <a:fillRef idx="1">
-            <a:schemeClr val="accent1"/>
-          </a:fillRef>
-          <a:effectRef idx="0">
-            <a:schemeClr val="accent1"/>
-          </a:effectRef>
-          <a:fontRef idx="minor">
-            <a:schemeClr val="lt1"/>
-          </a:fontRef>
-        </p:style>
-        <p:txBody>
-          <a:bodyPr rtlCol="0" anchor="ctr"/>
-          <a:lstStyle/>
-          <a:p>
-            <a:pPr algn="ctr"/>
-            <a:endParaRPr lang="ko-KR" altLang="en-US">
-              <a:solidFill>
-                <a:prstClr val="white"/>
-              </a:solidFill>
-            </a:endParaRPr>
-          </a:p>
-        </p:txBody>
-      </p:sp>
-      <p:sp>
-        <p:nvSpPr>
-          <p:cNvPr id="27" name="모서리가 둥근 직사각형 26"/>
-          <p:cNvSpPr/>
-          <p:nvPr/>
-        </p:nvSpPr>
-        <p:spPr>
-          <a:xfrm>
-            <a:off x="906384" y="4143621"/>
-            <a:ext cx="1619227" cy="291584"/>
-          </a:xfrm>
-          <a:prstGeom prst="roundRect">
-            <a:avLst>
-              <a:gd name="adj" fmla="val 50000"/>
-            </a:avLst>
-          </a:prstGeom>
-          <a:solidFill>
-            <a:srgbClr val="878FE2"/>
-          </a:solidFill>
-          <a:ln w="9525">
-            <a:noFill/>
-            <a:prstDash val="solid"/>
-          </a:ln>
-        </p:spPr>
-        <p:style>
-          <a:lnRef idx="2">
-            <a:schemeClr val="accent1">
-              <a:shade val="50000"/>
-            </a:schemeClr>
-          </a:lnRef>
-          <a:fillRef idx="1">
-            <a:schemeClr val="accent1"/>
-          </a:fillRef>
-          <a:effectRef idx="0">
-            <a:schemeClr val="accent1"/>
-          </a:effectRef>
-          <a:fontRef idx="minor">
-            <a:schemeClr val="lt1"/>
-          </a:fontRef>
-        </p:style>
-        <p:txBody>
-          <a:bodyPr rtlCol="0" anchor="ctr"/>
-          <a:lstStyle/>
-          <a:p>
-            <a:pPr algn="r"/>
-            <a:r>
-              <a:rPr lang="ko-KR" altLang="en-US" sz="1400" b="1" dirty="0">
-                <a:solidFill>
-                  <a:prstClr val="white"/>
-                </a:solidFill>
-              </a:rPr>
-              <a:t>조합 시스템</a:t>
-            </a:r>
-            <a:endParaRPr lang="en-US" altLang="ko-KR" sz="1400" b="1" dirty="0">
-              <a:solidFill>
-                <a:prstClr val="white"/>
-              </a:solidFill>
-            </a:endParaRPr>
-          </a:p>
-        </p:txBody>
-      </p:sp>
-      <p:sp>
-        <p:nvSpPr>
-          <p:cNvPr id="43" name="사각형: 둥근 모서리 15">
-            <a:extLst>
-              <a:ext uri="{FF2B5EF4-FFF2-40B4-BE49-F238E27FC236}">
-                <a16:creationId xmlns:a16="http://schemas.microsoft.com/office/drawing/2014/main" id="{9BF6FC43-699E-4A3C-93BD-A9D4DBB958DB}"/>
-              </a:ext>
-            </a:extLst>
-          </p:cNvPr>
-          <p:cNvSpPr/>
-          <p:nvPr/>
-        </p:nvSpPr>
-        <p:spPr>
-          <a:xfrm>
-            <a:off x="901622" y="4140444"/>
-            <a:ext cx="473075" cy="300019"/>
-          </a:xfrm>
-          <a:prstGeom prst="roundRect">
-            <a:avLst>
-              <a:gd name="adj" fmla="val 50000"/>
-            </a:avLst>
-          </a:prstGeom>
-          <a:solidFill>
-            <a:srgbClr val="F9F8FD"/>
-          </a:solidFill>
-          <a:ln>
-            <a:noFill/>
-          </a:ln>
-          <a:effectLst>
-            <a:outerShdw blurRad="177800" dist="50800" dir="4800000" algn="tl" rotWithShape="0">
-              <a:srgbClr val="878FE2">
-                <a:alpha val="27000"/>
-              </a:srgbClr>
-            </a:outerShdw>
-          </a:effectLst>
-        </p:spPr>
-        <p:style>
-          <a:lnRef idx="2">
-            <a:schemeClr val="accent1">
-              <a:shade val="50000"/>
-            </a:schemeClr>
-          </a:lnRef>
-          <a:fillRef idx="1">
-            <a:schemeClr val="accent1"/>
-          </a:fillRef>
-          <a:effectRef idx="0">
-            <a:schemeClr val="accent1"/>
-          </a:effectRef>
-          <a:fontRef idx="minor">
-            <a:schemeClr val="lt1"/>
-          </a:fontRef>
-        </p:style>
-        <p:txBody>
-          <a:bodyPr wrap="none" rtlCol="0" anchor="ctr"/>
-          <a:lstStyle/>
-          <a:p>
-            <a:pPr algn="ctr"/>
-            <a:r>
-              <a:rPr lang="en-US" altLang="ko-KR" sz="1400" b="1" dirty="0">
-                <a:solidFill>
-                  <a:srgbClr val="878FE2"/>
-                </a:solidFill>
-              </a:rPr>
-              <a:t>01</a:t>
-            </a:r>
-          </a:p>
-        </p:txBody>
-      </p:sp>
       <p:sp>
         <p:nvSpPr>
           <p:cNvPr id="34" name="TextBox 33">
@@ -17823,8 +17844,8 @@
         </p:nvSpPr>
         <p:spPr>
           <a:xfrm>
-            <a:off x="901623" y="4699040"/>
-            <a:ext cx="3244701" cy="788229"/>
+            <a:off x="744724" y="3340100"/>
+            <a:ext cx="3244701" cy="887615"/>
           </a:xfrm>
           <a:prstGeom prst="rect">
             <a:avLst/>
@@ -17844,7 +17865,7 @@
               <a:defRPr/>
             </a:pPr>
             <a:r>
-              <a:rPr lang="ko-KR" altLang="en-US" sz="1050" dirty="0">
+              <a:rPr lang="ko-KR" altLang="en-US" sz="1200" dirty="0">
                 <a:solidFill>
                   <a:prstClr val="black">
                     <a:lumMod val="75000"/>
@@ -17855,7 +17876,7 @@
               <a:t>아군 </a:t>
             </a:r>
             <a:r>
-              <a:rPr lang="ko-KR" altLang="en-US" sz="1050" dirty="0" err="1">
+              <a:rPr lang="ko-KR" altLang="en-US" sz="1200" dirty="0" err="1">
                 <a:solidFill>
                   <a:prstClr val="black">
                     <a:lumMod val="75000"/>
@@ -17866,7 +17887,7 @@
               <a:t>몹끼리</a:t>
             </a:r>
             <a:r>
-              <a:rPr lang="ko-KR" altLang="en-US" sz="1050" dirty="0">
+              <a:rPr lang="ko-KR" altLang="en-US" sz="1200" dirty="0">
                 <a:solidFill>
                   <a:prstClr val="black">
                     <a:lumMod val="75000"/>
@@ -17874,9 +17895,9 @@
                   </a:prstClr>
                 </a:solidFill>
               </a:rPr>
-              <a:t> 조합하여 얻는 효과를 이용해서 적을 디펜스 한다 라는 게임의 중심 시스템에 대한 플레이어의 의견 확인</a:t>
+              <a:t> 조합하여 얻는 효과를 이용해 적을 디펜스 한다는 게임의 중심 시스템에 대한 플레이어의 의견 확인</a:t>
             </a:r>
-            <a:endParaRPr lang="en-US" altLang="ko-KR" sz="1050" dirty="0">
+            <a:endParaRPr lang="en-US" altLang="ko-KR" sz="1200" dirty="0">
               <a:solidFill>
                 <a:prstClr val="black">
                   <a:lumMod val="75000"/>
@@ -17887,200 +17908,156 @@
           </a:p>
         </p:txBody>
       </p:sp>
-      <p:sp>
-        <p:nvSpPr>
-          <p:cNvPr id="35" name="사각형: 둥근 모서리 15">
+      <p:grpSp>
+        <p:nvGrpSpPr>
+          <p:cNvPr id="4" name="그룹 3">
             <a:extLst>
               <a:ext uri="{FF2B5EF4-FFF2-40B4-BE49-F238E27FC236}">
-                <a16:creationId xmlns:a16="http://schemas.microsoft.com/office/drawing/2014/main" id="{9BF6FC43-699E-4A3C-93BD-A9D4DBB958DB}"/>
+                <a16:creationId xmlns:a16="http://schemas.microsoft.com/office/drawing/2014/main" id="{4695458E-9C09-EADD-9AB0-CDB4D1CCB8C9}"/>
               </a:ext>
             </a:extLst>
           </p:cNvPr>
-          <p:cNvSpPr/>
+          <p:cNvGrpSpPr/>
           <p:nvPr/>
-        </p:nvSpPr>
-        <p:spPr>
+        </p:nvGrpSpPr>
+        <p:grpSpPr>
           <a:xfrm>
-            <a:off x="4584269" y="1892600"/>
-            <a:ext cx="3241426" cy="1842358"/>
+            <a:off x="4468607" y="2828832"/>
+            <a:ext cx="1596071" cy="300019"/>
+            <a:chOff x="4580993" y="4140444"/>
+            <a:chExt cx="1596071" cy="300019"/>
           </a:xfrm>
-          <a:prstGeom prst="roundRect">
-            <a:avLst>
-              <a:gd name="adj" fmla="val 8909"/>
-            </a:avLst>
-          </a:prstGeom>
-          <a:solidFill>
-            <a:srgbClr val="F9F8FD"/>
-          </a:solidFill>
-          <a:ln>
-            <a:noFill/>
-          </a:ln>
-          <a:effectLst>
-            <a:outerShdw blurRad="177800" dist="50800" dir="4800000" algn="tl" rotWithShape="0">
-              <a:srgbClr val="878FE2">
-                <a:alpha val="27000"/>
-              </a:srgbClr>
-            </a:outerShdw>
-          </a:effectLst>
-        </p:spPr>
-        <p:style>
-          <a:lnRef idx="2">
-            <a:schemeClr val="accent1">
-              <a:shade val="50000"/>
-            </a:schemeClr>
-          </a:lnRef>
-          <a:fillRef idx="1">
-            <a:schemeClr val="accent1"/>
-          </a:fillRef>
-          <a:effectRef idx="0">
-            <a:schemeClr val="accent1"/>
-          </a:effectRef>
-          <a:fontRef idx="minor">
-            <a:schemeClr val="lt1"/>
-          </a:fontRef>
-        </p:style>
-        <p:txBody>
-          <a:bodyPr rtlCol="0" anchor="ctr"/>
-          <a:lstStyle/>
-          <a:p>
-            <a:pPr algn="ctr"/>
-            <a:endParaRPr lang="ko-KR" altLang="en-US">
-              <a:solidFill>
-                <a:prstClr val="white"/>
-              </a:solidFill>
-            </a:endParaRPr>
-          </a:p>
-        </p:txBody>
-      </p:sp>
-      <p:sp>
-        <p:nvSpPr>
-          <p:cNvPr id="36" name="모서리가 둥근 직사각형 35"/>
-          <p:cNvSpPr/>
-          <p:nvPr/>
-        </p:nvSpPr>
-        <p:spPr>
-          <a:xfrm>
-            <a:off x="4585755" y="4143621"/>
-            <a:ext cx="1591309" cy="291584"/>
-          </a:xfrm>
-          <a:prstGeom prst="roundRect">
-            <a:avLst>
-              <a:gd name="adj" fmla="val 50000"/>
-            </a:avLst>
-          </a:prstGeom>
-          <a:solidFill>
-            <a:srgbClr val="878FE2"/>
-          </a:solidFill>
-          <a:ln w="9525">
-            <a:noFill/>
-            <a:prstDash val="solid"/>
-          </a:ln>
-        </p:spPr>
-        <p:style>
-          <a:lnRef idx="2">
-            <a:schemeClr val="accent1">
-              <a:shade val="50000"/>
-            </a:schemeClr>
-          </a:lnRef>
-          <a:fillRef idx="1">
-            <a:schemeClr val="accent1"/>
-          </a:fillRef>
-          <a:effectRef idx="0">
-            <a:schemeClr val="accent1"/>
-          </a:effectRef>
-          <a:fontRef idx="minor">
-            <a:schemeClr val="lt1"/>
-          </a:fontRef>
-        </p:style>
-        <p:txBody>
-          <a:bodyPr rtlCol="0" anchor="ctr"/>
-          <a:lstStyle/>
-          <a:p>
-            <a:pPr algn="r"/>
-            <a:r>
-              <a:rPr lang="ko-KR" altLang="en-US" sz="1400" b="1" dirty="0">
+        </p:grpSpPr>
+        <p:sp>
+          <p:nvSpPr>
+            <p:cNvPr id="36" name="모서리가 둥근 직사각형 35"/>
+            <p:cNvSpPr/>
+            <p:nvPr/>
+          </p:nvSpPr>
+          <p:spPr>
+            <a:xfrm>
+              <a:off x="4585755" y="4143621"/>
+              <a:ext cx="1591309" cy="291584"/>
+            </a:xfrm>
+            <a:prstGeom prst="roundRect">
+              <a:avLst>
+                <a:gd name="adj" fmla="val 50000"/>
+              </a:avLst>
+            </a:prstGeom>
+            <a:solidFill>
+              <a:srgbClr val="878FE2"/>
+            </a:solidFill>
+            <a:ln w="9525">
+              <a:noFill/>
+              <a:prstDash val="solid"/>
+            </a:ln>
+          </p:spPr>
+          <p:style>
+            <a:lnRef idx="2">
+              <a:schemeClr val="accent1">
+                <a:shade val="50000"/>
+              </a:schemeClr>
+            </a:lnRef>
+            <a:fillRef idx="1">
+              <a:schemeClr val="accent1"/>
+            </a:fillRef>
+            <a:effectRef idx="0">
+              <a:schemeClr val="accent1"/>
+            </a:effectRef>
+            <a:fontRef idx="minor">
+              <a:schemeClr val="lt1"/>
+            </a:fontRef>
+          </p:style>
+          <p:txBody>
+            <a:bodyPr rtlCol="0" anchor="ctr"/>
+            <a:lstStyle/>
+            <a:p>
+              <a:pPr algn="r"/>
+              <a:r>
+                <a:rPr lang="ko-KR" altLang="en-US" sz="1400" b="1" dirty="0">
+                  <a:solidFill>
+                    <a:prstClr val="white"/>
+                  </a:solidFill>
+                </a:rPr>
+                <a:t>랜덤 시스템</a:t>
+              </a:r>
+              <a:endParaRPr lang="en-US" altLang="ko-KR" sz="1400" b="1" dirty="0">
                 <a:solidFill>
                   <a:prstClr val="white"/>
                 </a:solidFill>
-              </a:rPr>
-              <a:t>랜덤 시스템</a:t>
-            </a:r>
-            <a:endParaRPr lang="en-US" altLang="ko-KR" sz="1400" b="1" dirty="0">
-              <a:solidFill>
-                <a:prstClr val="white"/>
-              </a:solidFill>
-            </a:endParaRPr>
-          </a:p>
-        </p:txBody>
-      </p:sp>
-      <p:sp>
-        <p:nvSpPr>
-          <p:cNvPr id="39" name="사각형: 둥근 모서리 15">
-            <a:extLst>
-              <a:ext uri="{FF2B5EF4-FFF2-40B4-BE49-F238E27FC236}">
-                <a16:creationId xmlns:a16="http://schemas.microsoft.com/office/drawing/2014/main" id="{9BF6FC43-699E-4A3C-93BD-A9D4DBB958DB}"/>
-              </a:ext>
-            </a:extLst>
-          </p:cNvPr>
-          <p:cNvSpPr/>
-          <p:nvPr/>
-        </p:nvSpPr>
-        <p:spPr>
-          <a:xfrm>
-            <a:off x="4580993" y="4140444"/>
-            <a:ext cx="473075" cy="300019"/>
-          </a:xfrm>
-          <a:prstGeom prst="roundRect">
-            <a:avLst>
-              <a:gd name="adj" fmla="val 50000"/>
-            </a:avLst>
-          </a:prstGeom>
-          <a:solidFill>
-            <a:srgbClr val="F9F8FD"/>
-          </a:solidFill>
-          <a:ln>
-            <a:noFill/>
-          </a:ln>
-          <a:effectLst>
-            <a:outerShdw blurRad="177800" dist="50800" dir="4800000" algn="tl" rotWithShape="0">
-              <a:srgbClr val="878FE2">
-                <a:alpha val="27000"/>
-              </a:srgbClr>
-            </a:outerShdw>
-          </a:effectLst>
-        </p:spPr>
-        <p:style>
-          <a:lnRef idx="2">
-            <a:schemeClr val="accent1">
-              <a:shade val="50000"/>
-            </a:schemeClr>
-          </a:lnRef>
-          <a:fillRef idx="1">
-            <a:schemeClr val="accent1"/>
-          </a:fillRef>
-          <a:effectRef idx="0">
-            <a:schemeClr val="accent1"/>
-          </a:effectRef>
-          <a:fontRef idx="minor">
-            <a:schemeClr val="lt1"/>
-          </a:fontRef>
-        </p:style>
-        <p:txBody>
-          <a:bodyPr wrap="none" rtlCol="0" anchor="ctr"/>
-          <a:lstStyle/>
-          <a:p>
-            <a:pPr algn="ctr"/>
-            <a:r>
-              <a:rPr lang="en-US" altLang="ko-KR" sz="1400" b="1" dirty="0">
-                <a:solidFill>
-                  <a:srgbClr val="878FE2"/>
-                </a:solidFill>
-              </a:rPr>
-              <a:t>02</a:t>
-            </a:r>
-          </a:p>
-        </p:txBody>
-      </p:sp>
+              </a:endParaRPr>
+            </a:p>
+          </p:txBody>
+        </p:sp>
+        <p:sp>
+          <p:nvSpPr>
+            <p:cNvPr id="39" name="사각형: 둥근 모서리 15">
+              <a:extLst>
+                <a:ext uri="{FF2B5EF4-FFF2-40B4-BE49-F238E27FC236}">
+                  <a16:creationId xmlns:a16="http://schemas.microsoft.com/office/drawing/2014/main" id="{9BF6FC43-699E-4A3C-93BD-A9D4DBB958DB}"/>
+                </a:ext>
+              </a:extLst>
+            </p:cNvPr>
+            <p:cNvSpPr/>
+            <p:nvPr/>
+          </p:nvSpPr>
+          <p:spPr>
+            <a:xfrm>
+              <a:off x="4580993" y="4140444"/>
+              <a:ext cx="473075" cy="300019"/>
+            </a:xfrm>
+            <a:prstGeom prst="roundRect">
+              <a:avLst>
+                <a:gd name="adj" fmla="val 50000"/>
+              </a:avLst>
+            </a:prstGeom>
+            <a:solidFill>
+              <a:srgbClr val="F9F8FD"/>
+            </a:solidFill>
+            <a:ln>
+              <a:noFill/>
+            </a:ln>
+            <a:effectLst>
+              <a:outerShdw blurRad="177800" dist="50800" dir="4800000" algn="tl" rotWithShape="0">
+                <a:srgbClr val="878FE2">
+                  <a:alpha val="27000"/>
+                </a:srgbClr>
+              </a:outerShdw>
+            </a:effectLst>
+          </p:spPr>
+          <p:style>
+            <a:lnRef idx="2">
+              <a:schemeClr val="accent1">
+                <a:shade val="50000"/>
+              </a:schemeClr>
+            </a:lnRef>
+            <a:fillRef idx="1">
+              <a:schemeClr val="accent1"/>
+            </a:fillRef>
+            <a:effectRef idx="0">
+              <a:schemeClr val="accent1"/>
+            </a:effectRef>
+            <a:fontRef idx="minor">
+              <a:schemeClr val="lt1"/>
+            </a:fontRef>
+          </p:style>
+          <p:txBody>
+            <a:bodyPr wrap="none" rtlCol="0" anchor="ctr"/>
+            <a:lstStyle/>
+            <a:p>
+              <a:pPr algn="ctr"/>
+              <a:r>
+                <a:rPr lang="en-US" altLang="ko-KR" sz="1400" b="1" dirty="0">
+                  <a:solidFill>
+                    <a:srgbClr val="878FE2"/>
+                  </a:solidFill>
+                </a:rPr>
+                <a:t>02</a:t>
+              </a:r>
+            </a:p>
+          </p:txBody>
+        </p:sp>
+      </p:grpSp>
       <p:sp>
         <p:nvSpPr>
           <p:cNvPr id="48" name="TextBox 47">
@@ -18095,8 +18072,8 @@
         </p:nvSpPr>
         <p:spPr>
           <a:xfrm>
-            <a:off x="4580994" y="4699040"/>
-            <a:ext cx="3244701" cy="788229"/>
+            <a:off x="4442328" y="3334842"/>
+            <a:ext cx="3244701" cy="887615"/>
           </a:xfrm>
           <a:prstGeom prst="rect">
             <a:avLst/>
@@ -18116,7 +18093,7 @@
               <a:defRPr/>
             </a:pPr>
             <a:r>
-              <a:rPr lang="ko-KR" altLang="en-US" sz="1050" dirty="0">
+              <a:rPr lang="ko-KR" altLang="en-US" sz="1200" dirty="0">
                 <a:solidFill>
                   <a:prstClr val="black">
                     <a:lumMod val="75000"/>
@@ -18127,7 +18104,7 @@
               <a:t>아군 </a:t>
             </a:r>
             <a:r>
-              <a:rPr lang="ko-KR" altLang="en-US" sz="1050" dirty="0" err="1">
+              <a:rPr lang="ko-KR" altLang="en-US" sz="1200" dirty="0" err="1">
                 <a:solidFill>
                   <a:prstClr val="black">
                     <a:lumMod val="75000"/>
@@ -18138,7 +18115,7 @@
               <a:t>몹이</a:t>
             </a:r>
             <a:r>
-              <a:rPr lang="ko-KR" altLang="en-US" sz="1050" dirty="0">
+              <a:rPr lang="ko-KR" altLang="en-US" sz="1200" dirty="0">
                 <a:solidFill>
                   <a:prstClr val="black">
                     <a:lumMod val="75000"/>
@@ -18148,7 +18125,7 @@
               </a:rPr>
               <a:t> 랜덤으로 속성을 부여 받는다는 랜덤 시스템을 기획 과정 중 추가하여서 이에 대한 플레이어의 의견 확인</a:t>
             </a:r>
-            <a:endParaRPr lang="en-US" altLang="ko-KR" sz="1050" dirty="0">
+            <a:endParaRPr lang="en-US" altLang="ko-KR" sz="1200" dirty="0">
               <a:solidFill>
                 <a:prstClr val="black">
                   <a:lumMod val="75000"/>
@@ -18159,216 +18136,172 @@
           </a:p>
         </p:txBody>
       </p:sp>
-      <p:sp>
-        <p:nvSpPr>
-          <p:cNvPr id="49" name="사각형: 둥근 모서리 15">
+      <p:grpSp>
+        <p:nvGrpSpPr>
+          <p:cNvPr id="5" name="그룹 4">
             <a:extLst>
               <a:ext uri="{FF2B5EF4-FFF2-40B4-BE49-F238E27FC236}">
-                <a16:creationId xmlns:a16="http://schemas.microsoft.com/office/drawing/2014/main" id="{9BF6FC43-699E-4A3C-93BD-A9D4DBB958DB}"/>
+                <a16:creationId xmlns:a16="http://schemas.microsoft.com/office/drawing/2014/main" id="{7B68DB49-E20A-53A3-5E86-1B6400B148EB}"/>
               </a:ext>
             </a:extLst>
           </p:cNvPr>
-          <p:cNvSpPr/>
+          <p:cNvGrpSpPr/>
           <p:nvPr/>
-        </p:nvSpPr>
-        <p:spPr>
+        </p:nvGrpSpPr>
+        <p:grpSpPr>
           <a:xfrm>
-            <a:off x="8263640" y="1892600"/>
-            <a:ext cx="3241426" cy="1842358"/>
+            <a:off x="8192490" y="2827791"/>
+            <a:ext cx="1759125" cy="300019"/>
+            <a:chOff x="8260364" y="4140444"/>
+            <a:chExt cx="1759125" cy="300019"/>
           </a:xfrm>
-          <a:prstGeom prst="roundRect">
-            <a:avLst>
-              <a:gd name="adj" fmla="val 8909"/>
-            </a:avLst>
-          </a:prstGeom>
-          <a:solidFill>
-            <a:srgbClr val="F9F8FD"/>
-          </a:solidFill>
-          <a:ln>
-            <a:noFill/>
-          </a:ln>
-          <a:effectLst>
-            <a:outerShdw blurRad="177800" dist="50800" dir="4800000" algn="tl" rotWithShape="0">
-              <a:srgbClr val="878FE2">
-                <a:alpha val="27000"/>
-              </a:srgbClr>
-            </a:outerShdw>
-          </a:effectLst>
-        </p:spPr>
-        <p:style>
-          <a:lnRef idx="2">
-            <a:schemeClr val="accent1">
-              <a:shade val="50000"/>
-            </a:schemeClr>
-          </a:lnRef>
-          <a:fillRef idx="1">
-            <a:schemeClr val="accent1"/>
-          </a:fillRef>
-          <a:effectRef idx="0">
-            <a:schemeClr val="accent1"/>
-          </a:effectRef>
-          <a:fontRef idx="minor">
-            <a:schemeClr val="lt1"/>
-          </a:fontRef>
-        </p:style>
-        <p:txBody>
-          <a:bodyPr rtlCol="0" anchor="ctr"/>
-          <a:lstStyle/>
-          <a:p>
-            <a:pPr algn="ctr"/>
-            <a:endParaRPr lang="ko-KR" altLang="en-US">
-              <a:solidFill>
-                <a:prstClr val="white"/>
-              </a:solidFill>
-            </a:endParaRPr>
-          </a:p>
-        </p:txBody>
-      </p:sp>
-      <p:sp>
-        <p:nvSpPr>
-          <p:cNvPr id="50" name="모서리가 둥근 직사각형 49"/>
-          <p:cNvSpPr/>
-          <p:nvPr/>
-        </p:nvSpPr>
-        <p:spPr>
-          <a:xfrm>
-            <a:off x="8265126" y="4143621"/>
-            <a:ext cx="1754363" cy="291584"/>
-          </a:xfrm>
-          <a:prstGeom prst="roundRect">
-            <a:avLst>
-              <a:gd name="adj" fmla="val 50000"/>
-            </a:avLst>
-          </a:prstGeom>
-          <a:solidFill>
-            <a:srgbClr val="878FE2"/>
-          </a:solidFill>
-          <a:ln w="9525">
-            <a:noFill/>
-            <a:prstDash val="solid"/>
-          </a:ln>
-        </p:spPr>
-        <p:style>
-          <a:lnRef idx="2">
-            <a:schemeClr val="accent1">
-              <a:shade val="50000"/>
-            </a:schemeClr>
-          </a:lnRef>
-          <a:fillRef idx="1">
-            <a:schemeClr val="accent1"/>
-          </a:fillRef>
-          <a:effectRef idx="0">
-            <a:schemeClr val="accent1"/>
-          </a:effectRef>
-          <a:fontRef idx="minor">
-            <a:schemeClr val="lt1"/>
-          </a:fontRef>
-        </p:style>
-        <p:txBody>
-          <a:bodyPr rtlCol="0" anchor="ctr"/>
-          <a:lstStyle/>
-          <a:p>
-            <a:pPr algn="r"/>
-            <a:r>
-              <a:rPr lang="ko-KR" altLang="en-US" sz="1400" b="1" dirty="0">
+        </p:grpSpPr>
+        <p:sp>
+          <p:nvSpPr>
+            <p:cNvPr id="50" name="모서리가 둥근 직사각형 49"/>
+            <p:cNvSpPr/>
+            <p:nvPr/>
+          </p:nvSpPr>
+          <p:spPr>
+            <a:xfrm>
+              <a:off x="8265126" y="4143621"/>
+              <a:ext cx="1754363" cy="291584"/>
+            </a:xfrm>
+            <a:prstGeom prst="roundRect">
+              <a:avLst>
+                <a:gd name="adj" fmla="val 50000"/>
+              </a:avLst>
+            </a:prstGeom>
+            <a:solidFill>
+              <a:srgbClr val="878FE2"/>
+            </a:solidFill>
+            <a:ln w="9525">
+              <a:noFill/>
+              <a:prstDash val="solid"/>
+            </a:ln>
+          </p:spPr>
+          <p:style>
+            <a:lnRef idx="2">
+              <a:schemeClr val="accent1">
+                <a:shade val="50000"/>
+              </a:schemeClr>
+            </a:lnRef>
+            <a:fillRef idx="1">
+              <a:schemeClr val="accent1"/>
+            </a:fillRef>
+            <a:effectRef idx="0">
+              <a:schemeClr val="accent1"/>
+            </a:effectRef>
+            <a:fontRef idx="minor">
+              <a:schemeClr val="lt1"/>
+            </a:fontRef>
+          </p:style>
+          <p:txBody>
+            <a:bodyPr rtlCol="0" anchor="ctr"/>
+            <a:lstStyle/>
+            <a:p>
+              <a:pPr algn="r"/>
+              <a:r>
+                <a:rPr lang="ko-KR" altLang="en-US" sz="1400" b="1" dirty="0">
+                  <a:solidFill>
+                    <a:prstClr val="white"/>
+                  </a:solidFill>
+                </a:rPr>
+                <a:t>카메라 뷰</a:t>
+              </a:r>
+              <a:r>
+                <a:rPr lang="en-US" altLang="ko-KR" sz="1400" b="1" dirty="0">
+                  <a:solidFill>
+                    <a:prstClr val="white"/>
+                  </a:solidFill>
+                </a:rPr>
+                <a:t>, </a:t>
+              </a:r>
+              <a:r>
+                <a:rPr lang="ko-KR" altLang="en-US" sz="1400" b="1" dirty="0">
+                  <a:solidFill>
+                    <a:prstClr val="white"/>
+                  </a:solidFill>
+                </a:rPr>
+                <a:t>맵</a:t>
+              </a:r>
+              <a:endParaRPr lang="en-US" altLang="ko-KR" sz="1400" b="1" dirty="0">
                 <a:solidFill>
                   <a:prstClr val="white"/>
                 </a:solidFill>
-              </a:rPr>
-              <a:t>카메라 뷰</a:t>
-            </a:r>
-            <a:r>
-              <a:rPr lang="en-US" altLang="ko-KR" sz="1400" b="1" dirty="0">
-                <a:solidFill>
-                  <a:prstClr val="white"/>
-                </a:solidFill>
-              </a:rPr>
-              <a:t>, </a:t>
-            </a:r>
-            <a:r>
-              <a:rPr lang="ko-KR" altLang="en-US" sz="1400" b="1" dirty="0">
-                <a:solidFill>
-                  <a:prstClr val="white"/>
-                </a:solidFill>
-              </a:rPr>
-              <a:t>맵</a:t>
-            </a:r>
-            <a:endParaRPr lang="en-US" altLang="ko-KR" sz="1400" b="1" dirty="0">
-              <a:solidFill>
-                <a:prstClr val="white"/>
-              </a:solidFill>
-            </a:endParaRPr>
-          </a:p>
-        </p:txBody>
-      </p:sp>
-      <p:sp>
-        <p:nvSpPr>
-          <p:cNvPr id="51" name="사각형: 둥근 모서리 15">
-            <a:extLst>
-              <a:ext uri="{FF2B5EF4-FFF2-40B4-BE49-F238E27FC236}">
-                <a16:creationId xmlns:a16="http://schemas.microsoft.com/office/drawing/2014/main" id="{9BF6FC43-699E-4A3C-93BD-A9D4DBB958DB}"/>
-              </a:ext>
-            </a:extLst>
-          </p:cNvPr>
-          <p:cNvSpPr/>
-          <p:nvPr/>
-        </p:nvSpPr>
-        <p:spPr>
-          <a:xfrm>
-            <a:off x="8260364" y="4140444"/>
-            <a:ext cx="473075" cy="300019"/>
-          </a:xfrm>
-          <a:prstGeom prst="roundRect">
-            <a:avLst>
-              <a:gd name="adj" fmla="val 50000"/>
-            </a:avLst>
-          </a:prstGeom>
-          <a:solidFill>
-            <a:srgbClr val="F9F8FD"/>
-          </a:solidFill>
-          <a:ln>
-            <a:noFill/>
-          </a:ln>
-          <a:effectLst>
-            <a:outerShdw blurRad="177800" dist="50800" dir="4800000" algn="tl" rotWithShape="0">
-              <a:srgbClr val="878FE2">
-                <a:alpha val="27000"/>
-              </a:srgbClr>
-            </a:outerShdw>
-          </a:effectLst>
-        </p:spPr>
-        <p:style>
-          <a:lnRef idx="2">
-            <a:schemeClr val="accent1">
-              <a:shade val="50000"/>
-            </a:schemeClr>
-          </a:lnRef>
-          <a:fillRef idx="1">
-            <a:schemeClr val="accent1"/>
-          </a:fillRef>
-          <a:effectRef idx="0">
-            <a:schemeClr val="accent1"/>
-          </a:effectRef>
-          <a:fontRef idx="minor">
-            <a:schemeClr val="lt1"/>
-          </a:fontRef>
-        </p:style>
-        <p:txBody>
-          <a:bodyPr wrap="none" rtlCol="0" anchor="ctr"/>
-          <a:lstStyle/>
-          <a:p>
-            <a:pPr algn="ctr"/>
-            <a:r>
-              <a:rPr lang="en-US" altLang="ko-KR" sz="1400" b="1" dirty="0">
-                <a:solidFill>
-                  <a:srgbClr val="878FE2"/>
-                </a:solidFill>
-              </a:rPr>
-              <a:t>01</a:t>
-            </a:r>
-          </a:p>
-        </p:txBody>
-      </p:sp>
+              </a:endParaRPr>
+            </a:p>
+          </p:txBody>
+        </p:sp>
+        <p:sp>
+          <p:nvSpPr>
+            <p:cNvPr id="51" name="사각형: 둥근 모서리 15">
+              <a:extLst>
+                <a:ext uri="{FF2B5EF4-FFF2-40B4-BE49-F238E27FC236}">
+                  <a16:creationId xmlns:a16="http://schemas.microsoft.com/office/drawing/2014/main" id="{9BF6FC43-699E-4A3C-93BD-A9D4DBB958DB}"/>
+                </a:ext>
+              </a:extLst>
+            </p:cNvPr>
+            <p:cNvSpPr/>
+            <p:nvPr/>
+          </p:nvSpPr>
+          <p:spPr>
+            <a:xfrm>
+              <a:off x="8260364" y="4140444"/>
+              <a:ext cx="473075" cy="300019"/>
+            </a:xfrm>
+            <a:prstGeom prst="roundRect">
+              <a:avLst>
+                <a:gd name="adj" fmla="val 50000"/>
+              </a:avLst>
+            </a:prstGeom>
+            <a:solidFill>
+              <a:srgbClr val="F9F8FD"/>
+            </a:solidFill>
+            <a:ln>
+              <a:noFill/>
+            </a:ln>
+            <a:effectLst>
+              <a:outerShdw blurRad="177800" dist="50800" dir="4800000" algn="tl" rotWithShape="0">
+                <a:srgbClr val="878FE2">
+                  <a:alpha val="27000"/>
+                </a:srgbClr>
+              </a:outerShdw>
+            </a:effectLst>
+          </p:spPr>
+          <p:style>
+            <a:lnRef idx="2">
+              <a:schemeClr val="accent1">
+                <a:shade val="50000"/>
+              </a:schemeClr>
+            </a:lnRef>
+            <a:fillRef idx="1">
+              <a:schemeClr val="accent1"/>
+            </a:fillRef>
+            <a:effectRef idx="0">
+              <a:schemeClr val="accent1"/>
+            </a:effectRef>
+            <a:fontRef idx="minor">
+              <a:schemeClr val="lt1"/>
+            </a:fontRef>
+          </p:style>
+          <p:txBody>
+            <a:bodyPr wrap="none" rtlCol="0" anchor="ctr"/>
+            <a:lstStyle/>
+            <a:p>
+              <a:pPr algn="ctr"/>
+              <a:r>
+                <a:rPr lang="en-US" altLang="ko-KR" sz="1400" b="1" dirty="0">
+                  <a:solidFill>
+                    <a:srgbClr val="878FE2"/>
+                  </a:solidFill>
+                </a:rPr>
+                <a:t>03</a:t>
+              </a:r>
+            </a:p>
+          </p:txBody>
+        </p:sp>
+      </p:grpSp>
       <p:sp>
         <p:nvSpPr>
           <p:cNvPr id="52" name="TextBox 51">
@@ -18383,8 +18316,8 @@
         </p:nvSpPr>
         <p:spPr>
           <a:xfrm>
-            <a:off x="8260365" y="4699040"/>
-            <a:ext cx="3244701" cy="788229"/>
+            <a:off x="8110835" y="3334841"/>
+            <a:ext cx="3244701" cy="887615"/>
           </a:xfrm>
           <a:prstGeom prst="rect">
             <a:avLst/>
@@ -18404,7 +18337,7 @@
               <a:defRPr/>
             </a:pPr>
             <a:r>
-              <a:rPr lang="ko-KR" altLang="en-US" sz="1050" dirty="0">
+              <a:rPr lang="ko-KR" altLang="en-US" sz="1200" dirty="0">
                 <a:solidFill>
                   <a:prstClr val="black">
                     <a:lumMod val="75000"/>
@@ -18415,7 +18348,7 @@
               <a:t>탑 뷰 게임으로 기획을 변경함</a:t>
             </a:r>
             <a:r>
-              <a:rPr lang="en-US" altLang="ko-KR" sz="1050" dirty="0">
+              <a:rPr lang="en-US" altLang="ko-KR" sz="1200" dirty="0">
                 <a:solidFill>
                   <a:prstClr val="black">
                     <a:lumMod val="75000"/>
@@ -18426,7 +18359,7 @@
               <a:t> </a:t>
             </a:r>
             <a:r>
-              <a:rPr lang="ko-KR" altLang="en-US" sz="1050" dirty="0">
+              <a:rPr lang="ko-KR" altLang="en-US" sz="1200" dirty="0">
                 <a:solidFill>
                   <a:prstClr val="black">
                     <a:lumMod val="75000"/>
@@ -18437,7 +18370,7 @@
               <a:t>그에 대한 플레이어들의 의견 확인 필요</a:t>
             </a:r>
             <a:r>
-              <a:rPr lang="en-US" altLang="ko-KR" sz="1050" dirty="0">
+              <a:rPr lang="en-US" altLang="ko-KR" sz="1200" dirty="0">
                 <a:solidFill>
                   <a:prstClr val="black">
                     <a:lumMod val="75000"/>
@@ -18456,7 +18389,7 @@
               <a:defRPr/>
             </a:pPr>
             <a:r>
-              <a:rPr lang="ko-KR" altLang="en-US" sz="1050" dirty="0">
+              <a:rPr lang="ko-KR" altLang="en-US" sz="1200" dirty="0">
                 <a:solidFill>
                   <a:prstClr val="black">
                     <a:lumMod val="75000"/>
@@ -18466,7 +18399,7 @@
               </a:rPr>
               <a:t>맵 이동이나 크기에 의견 확인</a:t>
             </a:r>
-            <a:endParaRPr lang="en-US" altLang="ko-KR" sz="1050" dirty="0">
+            <a:endParaRPr lang="en-US" altLang="ko-KR" sz="1200" dirty="0">
               <a:solidFill>
                 <a:prstClr val="black">
                   <a:lumMod val="75000"/>
@@ -18477,6 +18410,156 @@
           </a:p>
         </p:txBody>
       </p:sp>
+      <p:grpSp>
+        <p:nvGrpSpPr>
+          <p:cNvPr id="3" name="그룹 2">
+            <a:extLst>
+              <a:ext uri="{FF2B5EF4-FFF2-40B4-BE49-F238E27FC236}">
+                <a16:creationId xmlns:a16="http://schemas.microsoft.com/office/drawing/2014/main" id="{50E61951-160A-36B8-2167-DE2564950586}"/>
+              </a:ext>
+            </a:extLst>
+          </p:cNvPr>
+          <p:cNvGrpSpPr/>
+          <p:nvPr/>
+        </p:nvGrpSpPr>
+        <p:grpSpPr>
+          <a:xfrm>
+            <a:off x="744724" y="2828832"/>
+            <a:ext cx="1623989" cy="300019"/>
+            <a:chOff x="901622" y="4140444"/>
+            <a:chExt cx="1623989" cy="300019"/>
+          </a:xfrm>
+        </p:grpSpPr>
+        <p:sp>
+          <p:nvSpPr>
+            <p:cNvPr id="27" name="모서리가 둥근 직사각형 26"/>
+            <p:cNvSpPr/>
+            <p:nvPr/>
+          </p:nvSpPr>
+          <p:spPr>
+            <a:xfrm>
+              <a:off x="906384" y="4143621"/>
+              <a:ext cx="1619227" cy="291584"/>
+            </a:xfrm>
+            <a:prstGeom prst="roundRect">
+              <a:avLst>
+                <a:gd name="adj" fmla="val 50000"/>
+              </a:avLst>
+            </a:prstGeom>
+            <a:solidFill>
+              <a:srgbClr val="878FE2"/>
+            </a:solidFill>
+            <a:ln w="9525">
+              <a:noFill/>
+              <a:prstDash val="solid"/>
+            </a:ln>
+          </p:spPr>
+          <p:style>
+            <a:lnRef idx="2">
+              <a:schemeClr val="accent1">
+                <a:shade val="50000"/>
+              </a:schemeClr>
+            </a:lnRef>
+            <a:fillRef idx="1">
+              <a:schemeClr val="accent1"/>
+            </a:fillRef>
+            <a:effectRef idx="0">
+              <a:schemeClr val="accent1"/>
+            </a:effectRef>
+            <a:fontRef idx="minor">
+              <a:schemeClr val="lt1"/>
+            </a:fontRef>
+          </p:style>
+          <p:txBody>
+            <a:bodyPr rtlCol="0" anchor="ctr"/>
+            <a:lstStyle/>
+            <a:p>
+              <a:pPr algn="r"/>
+              <a:r>
+                <a:rPr lang="ko-KR" altLang="en-US" sz="1400" b="1" dirty="0">
+                  <a:solidFill>
+                    <a:prstClr val="white"/>
+                  </a:solidFill>
+                </a:rPr>
+                <a:t>조합 시스템</a:t>
+              </a:r>
+              <a:endParaRPr lang="en-US" altLang="ko-KR" sz="1400" b="1" dirty="0">
+                <a:solidFill>
+                  <a:prstClr val="white"/>
+                </a:solidFill>
+              </a:endParaRPr>
+            </a:p>
+          </p:txBody>
+        </p:sp>
+        <p:sp>
+          <p:nvSpPr>
+            <p:cNvPr id="43" name="사각형: 둥근 모서리 15">
+              <a:extLst>
+                <a:ext uri="{FF2B5EF4-FFF2-40B4-BE49-F238E27FC236}">
+                  <a16:creationId xmlns:a16="http://schemas.microsoft.com/office/drawing/2014/main" id="{9BF6FC43-699E-4A3C-93BD-A9D4DBB958DB}"/>
+                </a:ext>
+              </a:extLst>
+            </p:cNvPr>
+            <p:cNvSpPr/>
+            <p:nvPr/>
+          </p:nvSpPr>
+          <p:spPr>
+            <a:xfrm>
+              <a:off x="901622" y="4140444"/>
+              <a:ext cx="473075" cy="300019"/>
+            </a:xfrm>
+            <a:prstGeom prst="roundRect">
+              <a:avLst>
+                <a:gd name="adj" fmla="val 50000"/>
+              </a:avLst>
+            </a:prstGeom>
+            <a:solidFill>
+              <a:srgbClr val="F9F8FD"/>
+            </a:solidFill>
+            <a:ln>
+              <a:noFill/>
+            </a:ln>
+            <a:effectLst>
+              <a:outerShdw blurRad="177800" dist="50800" dir="4800000" algn="tl" rotWithShape="0">
+                <a:srgbClr val="878FE2">
+                  <a:alpha val="27000"/>
+                </a:srgbClr>
+              </a:outerShdw>
+            </a:effectLst>
+          </p:spPr>
+          <p:style>
+            <a:lnRef idx="2">
+              <a:schemeClr val="accent1">
+                <a:shade val="50000"/>
+              </a:schemeClr>
+            </a:lnRef>
+            <a:fillRef idx="1">
+              <a:schemeClr val="accent1"/>
+            </a:fillRef>
+            <a:effectRef idx="0">
+              <a:schemeClr val="accent1"/>
+            </a:effectRef>
+            <a:fontRef idx="minor">
+              <a:schemeClr val="lt1"/>
+            </a:fontRef>
+          </p:style>
+          <p:txBody>
+            <a:bodyPr wrap="none" rtlCol="0" anchor="ctr"/>
+            <a:lstStyle/>
+            <a:p>
+              <a:pPr algn="ctr"/>
+              <a:r>
+                <a:rPr lang="en-US" altLang="ko-KR" sz="1400" b="1" dirty="0">
+                  <a:solidFill>
+                    <a:srgbClr val="878FE2"/>
+                  </a:solidFill>
+                </a:rPr>
+                <a:t>01</a:t>
+              </a:r>
+            </a:p>
+          </p:txBody>
+        </p:sp>
+      </p:grpSp>
     </p:spTree>
     <p:extLst>
       <p:ext uri="{BB962C8B-B14F-4D97-AF65-F5344CB8AC3E}">
